--- a/prop_prop_letter_ajhs_referee_response.pptx
+++ b/prop_prop_letter_ajhs_referee_response.pptx
@@ -11,7 +11,7 @@
     <p:handoutMasterId r:id="rId4"/>
   </p:handoutMasterIdLst>
   <p:sldIdLst>
-    <p:sldId id="260" r:id="rId2"/>
+    <p:sldId id="261" r:id="rId2"/>
   </p:sldIdLst>
   <p:sldSz cx="12192000" cy="6858000"/>
   <p:notesSz cx="7099300" cy="10234613"/>
@@ -211,7 +211,7 @@
           <a:p>
             <a:fld id="{FE3023B1-3AFF-46C4-97DC-7BEE883CD9D8}" type="datetimeFigureOut">
               <a:rPr lang="en-US" smtClean="0"/>
-              <a:t>1/25/2018</a:t>
+              <a:t>2/4/2018</a:t>
             </a:fld>
             <a:endParaRPr lang="en-US"/>
           </a:p>
@@ -376,7 +376,7 @@
           <a:p>
             <a:fld id="{384BE3C3-7DB8-44EE-9555-F40C087B77CA}" type="datetimeFigureOut">
               <a:rPr lang="en-US" smtClean="0"/>
-              <a:t>1/25/2018</a:t>
+              <a:t>2/4/2018</a:t>
             </a:fld>
             <a:endParaRPr lang="en-US"/>
           </a:p>
@@ -718,7 +718,7 @@
     </p:spTree>
     <p:extLst>
       <p:ext uri="{BB962C8B-B14F-4D97-AF65-F5344CB8AC3E}">
-        <p14:creationId xmlns:p14="http://schemas.microsoft.com/office/powerpoint/2010/main" val="3934366373"/>
+        <p14:creationId xmlns:p14="http://schemas.microsoft.com/office/powerpoint/2010/main" val="91869808"/>
       </p:ext>
     </p:extLst>
   </p:cSld>
@@ -859,7 +859,7 @@
           <a:p>
             <a:fld id="{D1C3BEE1-3E90-49E5-9A2E-FAD1B5091927}" type="datetimeFigureOut">
               <a:rPr lang="en-US" smtClean="0"/>
-              <a:t>1/25/2018</a:t>
+              <a:t>2/4/2018</a:t>
             </a:fld>
             <a:endParaRPr lang="en-US"/>
           </a:p>
@@ -1029,7 +1029,7 @@
           <a:p>
             <a:fld id="{D1C3BEE1-3E90-49E5-9A2E-FAD1B5091927}" type="datetimeFigureOut">
               <a:rPr lang="en-US" smtClean="0"/>
-              <a:t>1/25/2018</a:t>
+              <a:t>2/4/2018</a:t>
             </a:fld>
             <a:endParaRPr lang="en-US"/>
           </a:p>
@@ -1209,7 +1209,7 @@
           <a:p>
             <a:fld id="{D1C3BEE1-3E90-49E5-9A2E-FAD1B5091927}" type="datetimeFigureOut">
               <a:rPr lang="en-US" smtClean="0"/>
-              <a:t>1/25/2018</a:t>
+              <a:t>2/4/2018</a:t>
             </a:fld>
             <a:endParaRPr lang="en-US"/>
           </a:p>
@@ -1379,7 +1379,7 @@
           <a:p>
             <a:fld id="{D1C3BEE1-3E90-49E5-9A2E-FAD1B5091927}" type="datetimeFigureOut">
               <a:rPr lang="en-US" smtClean="0"/>
-              <a:t>1/25/2018</a:t>
+              <a:t>2/4/2018</a:t>
             </a:fld>
             <a:endParaRPr lang="en-US"/>
           </a:p>
@@ -1632,7 +1632,7 @@
           <a:p>
             <a:fld id="{D1C3BEE1-3E90-49E5-9A2E-FAD1B5091927}" type="datetimeFigureOut">
               <a:rPr lang="en-US" smtClean="0"/>
-              <a:t>1/25/2018</a:t>
+              <a:t>2/4/2018</a:t>
             </a:fld>
             <a:endParaRPr lang="en-US"/>
           </a:p>
@@ -1864,7 +1864,7 @@
           <a:p>
             <a:fld id="{D1C3BEE1-3E90-49E5-9A2E-FAD1B5091927}" type="datetimeFigureOut">
               <a:rPr lang="en-US" smtClean="0"/>
-              <a:t>1/25/2018</a:t>
+              <a:t>2/4/2018</a:t>
             </a:fld>
             <a:endParaRPr lang="en-US"/>
           </a:p>
@@ -2231,7 +2231,7 @@
           <a:p>
             <a:fld id="{D1C3BEE1-3E90-49E5-9A2E-FAD1B5091927}" type="datetimeFigureOut">
               <a:rPr lang="en-US" smtClean="0"/>
-              <a:t>1/25/2018</a:t>
+              <a:t>2/4/2018</a:t>
             </a:fld>
             <a:endParaRPr lang="en-US"/>
           </a:p>
@@ -2349,7 +2349,7 @@
           <a:p>
             <a:fld id="{D1C3BEE1-3E90-49E5-9A2E-FAD1B5091927}" type="datetimeFigureOut">
               <a:rPr lang="en-US" smtClean="0"/>
-              <a:t>1/25/2018</a:t>
+              <a:t>2/4/2018</a:t>
             </a:fld>
             <a:endParaRPr lang="en-US"/>
           </a:p>
@@ -2444,7 +2444,7 @@
           <a:p>
             <a:fld id="{D1C3BEE1-3E90-49E5-9A2E-FAD1B5091927}" type="datetimeFigureOut">
               <a:rPr lang="en-US" smtClean="0"/>
-              <a:t>1/25/2018</a:t>
+              <a:t>2/4/2018</a:t>
             </a:fld>
             <a:endParaRPr lang="en-US"/>
           </a:p>
@@ -2721,7 +2721,7 @@
           <a:p>
             <a:fld id="{D1C3BEE1-3E90-49E5-9A2E-FAD1B5091927}" type="datetimeFigureOut">
               <a:rPr lang="en-US" smtClean="0"/>
-              <a:t>1/25/2018</a:t>
+              <a:t>2/4/2018</a:t>
             </a:fld>
             <a:endParaRPr lang="en-US"/>
           </a:p>
@@ -2974,7 +2974,7 @@
           <a:p>
             <a:fld id="{D1C3BEE1-3E90-49E5-9A2E-FAD1B5091927}" type="datetimeFigureOut">
               <a:rPr lang="en-US" smtClean="0"/>
-              <a:t>1/25/2018</a:t>
+              <a:t>2/4/2018</a:t>
             </a:fld>
             <a:endParaRPr lang="en-US"/>
           </a:p>
@@ -3187,7 +3187,7 @@
           <a:p>
             <a:fld id="{D1C3BEE1-3E90-49E5-9A2E-FAD1B5091927}" type="datetimeFigureOut">
               <a:rPr lang="en-US" smtClean="0"/>
-              <a:t>1/25/2018</a:t>
+              <a:t>2/4/2018</a:t>
             </a:fld>
             <a:endParaRPr lang="en-US"/>
           </a:p>
@@ -3592,51 +3592,6 @@
           <a:chExt cx="0" cy="0"/>
         </a:xfrm>
       </p:grpSpPr>
-      <p:sp>
-        <p:nvSpPr>
-          <p:cNvPr id="24" name="Rectangle 23"/>
-          <p:cNvSpPr/>
-          <p:nvPr/>
-        </p:nvSpPr>
-        <p:spPr>
-          <a:xfrm>
-            <a:off x="1764920" y="4074190"/>
-            <a:ext cx="2034234" cy="260143"/>
-          </a:xfrm>
-          <a:prstGeom prst="rect">
-            <a:avLst/>
-          </a:prstGeom>
-          <a:solidFill>
-            <a:schemeClr val="accent4">
-              <a:alpha val="50000"/>
-            </a:schemeClr>
-          </a:solidFill>
-        </p:spPr>
-        <p:style>
-          <a:lnRef idx="2">
-            <a:schemeClr val="accent1">
-              <a:shade val="50000"/>
-            </a:schemeClr>
-          </a:lnRef>
-          <a:fillRef idx="1">
-            <a:schemeClr val="accent1"/>
-          </a:fillRef>
-          <a:effectRef idx="0">
-            <a:schemeClr val="accent1"/>
-          </a:effectRef>
-          <a:fontRef idx="minor">
-            <a:schemeClr val="lt1"/>
-          </a:fontRef>
-        </p:style>
-        <p:txBody>
-          <a:bodyPr rtlCol="0" anchor="ctr"/>
-          <a:lstStyle/>
-          <a:p>
-            <a:pPr algn="ctr"/>
-            <a:endParaRPr lang="en-US"/>
-          </a:p>
-        </p:txBody>
-      </p:sp>
       <p:cxnSp>
         <p:nvCxnSpPr>
           <p:cNvPr id="5" name="Straight Arrow Connector 4"/>
@@ -3718,7 +3673,7 @@
         </p:nvSpPr>
         <p:spPr>
           <a:xfrm>
-            <a:off x="3772191" y="4041805"/>
+            <a:off x="3424148" y="4028023"/>
             <a:ext cx="77274" cy="92334"/>
           </a:xfrm>
           <a:prstGeom prst="flowChartConnector">
@@ -3758,7 +3713,7 @@
         </p:nvSpPr>
         <p:spPr>
           <a:xfrm>
-            <a:off x="6049292" y="4028023"/>
+            <a:off x="5122013" y="4028023"/>
             <a:ext cx="77274" cy="92334"/>
           </a:xfrm>
           <a:prstGeom prst="flowChartConnector">
@@ -3798,7 +3753,7 @@
         </p:nvSpPr>
         <p:spPr>
           <a:xfrm>
-            <a:off x="8399055" y="4045223"/>
+            <a:off x="8786052" y="4031192"/>
             <a:ext cx="77274" cy="92334"/>
           </a:xfrm>
           <a:prstGeom prst="flowChartConnector">
@@ -3953,8 +3908,91 @@
           </p:sp>
         </mc:Fallback>
       </mc:AlternateContent>
-      <mc:AlternateContent xmlns:mc="http://schemas.openxmlformats.org/markup-compatibility/2006">
-        <mc:Choice xmlns:a14="http://schemas.microsoft.com/office/drawing/2010/main" Requires="a14">
+      <mc:AlternateContent xmlns:mc="http://schemas.openxmlformats.org/markup-compatibility/2006" xmlns:a14="http://schemas.microsoft.com/office/drawing/2010/main">
+        <mc:Choice Requires="a14">
+          <p:sp>
+            <p:nvSpPr>
+              <p:cNvPr id="17" name="Rectangle 16"/>
+              <p:cNvSpPr/>
+              <p:nvPr/>
+            </p:nvSpPr>
+            <p:spPr>
+              <a:xfrm>
+                <a:off x="3434393" y="4096490"/>
+                <a:ext cx="370037" cy="369332"/>
+              </a:xfrm>
+              <a:prstGeom prst="rect">
+                <a:avLst/>
+              </a:prstGeom>
+            </p:spPr>
+            <p:txBody>
+              <a:bodyPr wrap="none">
+                <a:spAutoFit/>
+              </a:bodyPr>
+              <a:lstStyle/>
+              <a:p>
+                <a:pPr/>
+                <a14:m>
+                  <m:oMathPara xmlns:m="http://schemas.openxmlformats.org/officeDocument/2006/math">
+                    <m:oMathParaPr>
+                      <m:jc m:val="centerGroup"/>
+                    </m:oMathParaPr>
+                    <m:oMath xmlns:m="http://schemas.openxmlformats.org/officeDocument/2006/math">
+                      <m:r>
+                        <a:rPr lang="en-US" i="1">
+                          <a:latin typeface="Cambria Math" panose="02040503050406030204" pitchFamily="18" charset="0"/>
+                        </a:rPr>
+                        <m:t>𝛿</m:t>
+                      </m:r>
+                    </m:oMath>
+                  </m:oMathPara>
+                </a14:m>
+                <a:endParaRPr lang="en-US" dirty="0"/>
+              </a:p>
+            </p:txBody>
+          </p:sp>
+        </mc:Choice>
+        <mc:Fallback xmlns="">
+          <p:sp>
+            <p:nvSpPr>
+              <p:cNvPr id="17" name="Rectangle 16"/>
+              <p:cNvSpPr>
+                <a:spLocks noRot="1" noChangeAspect="1" noMove="1" noResize="1" noEditPoints="1" noAdjustHandles="1" noChangeArrowheads="1" noChangeShapeType="1" noTextEdit="1"/>
+              </p:cNvSpPr>
+              <p:nvPr/>
+            </p:nvSpPr>
+            <p:spPr>
+              <a:xfrm>
+                <a:off x="3434393" y="4096490"/>
+                <a:ext cx="370037" cy="369332"/>
+              </a:xfrm>
+              <a:prstGeom prst="rect">
+                <a:avLst/>
+              </a:prstGeom>
+              <a:blipFill rotWithShape="0">
+                <a:blip r:embed="rId6"/>
+                <a:stretch>
+                  <a:fillRect/>
+                </a:stretch>
+              </a:blipFill>
+            </p:spPr>
+            <p:txBody>
+              <a:bodyPr/>
+              <a:lstStyle/>
+              <a:p>
+                <a:r>
+                  <a:rPr lang="en-US">
+                    <a:noFill/>
+                  </a:rPr>
+                  <a:t> </a:t>
+                </a:r>
+              </a:p>
+            </p:txBody>
+          </p:sp>
+        </mc:Fallback>
+      </mc:AlternateContent>
+      <mc:AlternateContent xmlns:mc="http://schemas.openxmlformats.org/markup-compatibility/2006" xmlns:a14="http://schemas.microsoft.com/office/drawing/2010/main">
+        <mc:Choice Requires="a14">
           <p:sp>
             <p:nvSpPr>
               <p:cNvPr id="18" name="Rectangle 17"/>
@@ -3963,8 +4001,97 @@
             </p:nvSpPr>
             <p:spPr>
               <a:xfrm>
-                <a:off x="5792537" y="4160817"/>
-                <a:ext cx="607859" cy="369332"/>
+                <a:off x="4911511" y="4120357"/>
+                <a:ext cx="498277" cy="369332"/>
+              </a:xfrm>
+              <a:prstGeom prst="rect">
+                <a:avLst/>
+              </a:prstGeom>
+            </p:spPr>
+            <p:txBody>
+              <a:bodyPr wrap="none">
+                <a:spAutoFit/>
+              </a:bodyPr>
+              <a:lstStyle/>
+              <a:p>
+                <a:pPr/>
+                <a14:m>
+                  <m:oMathPara xmlns:m="http://schemas.openxmlformats.org/officeDocument/2006/math">
+                    <m:oMathParaPr>
+                      <m:jc m:val="centerGroup"/>
+                    </m:oMathParaPr>
+                    <m:oMath xmlns:m="http://schemas.openxmlformats.org/officeDocument/2006/math">
+                      <m:r>
+                        <a:rPr lang="en-US" i="1">
+                          <a:latin typeface="Cambria Math" panose="02040503050406030204" pitchFamily="18" charset="0"/>
+                        </a:rPr>
+                        <m:t>2</m:t>
+                      </m:r>
+                      <m:r>
+                        <a:rPr lang="en-US" i="1">
+                          <a:latin typeface="Cambria Math" panose="02040503050406030204" pitchFamily="18" charset="0"/>
+                        </a:rPr>
+                        <m:t>𝛿</m:t>
+                      </m:r>
+                    </m:oMath>
+                  </m:oMathPara>
+                </a14:m>
+                <a:endParaRPr lang="en-US" dirty="0"/>
+              </a:p>
+            </p:txBody>
+          </p:sp>
+        </mc:Choice>
+        <mc:Fallback xmlns="">
+          <p:sp>
+            <p:nvSpPr>
+              <p:cNvPr id="18" name="Rectangle 17"/>
+              <p:cNvSpPr>
+                <a:spLocks noRot="1" noChangeAspect="1" noMove="1" noResize="1" noEditPoints="1" noAdjustHandles="1" noChangeArrowheads="1" noChangeShapeType="1" noTextEdit="1"/>
+              </p:cNvSpPr>
+              <p:nvPr/>
+            </p:nvSpPr>
+            <p:spPr>
+              <a:xfrm>
+                <a:off x="4911511" y="4120357"/>
+                <a:ext cx="498277" cy="369332"/>
+              </a:xfrm>
+              <a:prstGeom prst="rect">
+                <a:avLst/>
+              </a:prstGeom>
+              <a:blipFill rotWithShape="0">
+                <a:blip r:embed="rId7"/>
+                <a:stretch>
+                  <a:fillRect/>
+                </a:stretch>
+              </a:blipFill>
+            </p:spPr>
+            <p:txBody>
+              <a:bodyPr/>
+              <a:lstStyle/>
+              <a:p>
+                <a:r>
+                  <a:rPr lang="en-US">
+                    <a:noFill/>
+                  </a:rPr>
+                  <a:t> </a:t>
+                </a:r>
+              </a:p>
+            </p:txBody>
+          </p:sp>
+        </mc:Fallback>
+      </mc:AlternateContent>
+      <mc:AlternateContent xmlns:mc="http://schemas.openxmlformats.org/markup-compatibility/2006" xmlns:a14="http://schemas.microsoft.com/office/drawing/2010/main">
+        <mc:Choice Requires="a14">
+          <p:sp>
+            <p:nvSpPr>
+              <p:cNvPr id="19" name="Rectangle 18"/>
+              <p:cNvSpPr/>
+              <p:nvPr/>
+            </p:nvSpPr>
+            <p:spPr>
+              <a:xfrm>
+                <a:off x="8437692" y="3706443"/>
+                <a:ext cx="773994" cy="369332"/>
               </a:xfrm>
               <a:prstGeom prst="rect">
                 <a:avLst/>
@@ -3987,7 +4114,13 @@
                         <a:rPr lang="en-US" b="0" i="1" smtClean="0">
                           <a:latin typeface="Cambria Math" panose="02040503050406030204" pitchFamily="18" charset="0"/>
                         </a:rPr>
-                        <m:t>1/2</m:t>
+                        <m:t>1−</m:t>
+                      </m:r>
+                      <m:r>
+                        <a:rPr lang="en-US" i="1">
+                          <a:latin typeface="Cambria Math" panose="02040503050406030204" pitchFamily="18" charset="0"/>
+                        </a:rPr>
+                        <m:t>𝛿</m:t>
                       </m:r>
                     </m:oMath>
                   </m:oMathPara>
@@ -3997,90 +4130,7 @@
             </p:txBody>
           </p:sp>
         </mc:Choice>
-        <mc:Fallback>
-          <p:sp>
-            <p:nvSpPr>
-              <p:cNvPr id="18" name="Rectangle 17"/>
-              <p:cNvSpPr>
-                <a:spLocks noRot="1" noChangeAspect="1" noMove="1" noResize="1" noEditPoints="1" noAdjustHandles="1" noChangeArrowheads="1" noChangeShapeType="1" noTextEdit="1"/>
-              </p:cNvSpPr>
-              <p:nvPr/>
-            </p:nvSpPr>
-            <p:spPr>
-              <a:xfrm>
-                <a:off x="5792537" y="4160817"/>
-                <a:ext cx="607859" cy="369332"/>
-              </a:xfrm>
-              <a:prstGeom prst="rect">
-                <a:avLst/>
-              </a:prstGeom>
-              <a:blipFill rotWithShape="0">
-                <a:blip r:embed="rId6"/>
-                <a:stretch>
-                  <a:fillRect b="-13333"/>
-                </a:stretch>
-              </a:blipFill>
-            </p:spPr>
-            <p:txBody>
-              <a:bodyPr/>
-              <a:lstStyle/>
-              <a:p>
-                <a:r>
-                  <a:rPr lang="en-US">
-                    <a:noFill/>
-                  </a:rPr>
-                  <a:t> </a:t>
-                </a:r>
-              </a:p>
-            </p:txBody>
-          </p:sp>
-        </mc:Fallback>
-      </mc:AlternateContent>
-      <mc:AlternateContent xmlns:mc="http://schemas.openxmlformats.org/markup-compatibility/2006">
-        <mc:Choice xmlns:a14="http://schemas.microsoft.com/office/drawing/2010/main" Requires="a14">
-          <p:sp>
-            <p:nvSpPr>
-              <p:cNvPr id="19" name="Rectangle 18"/>
-              <p:cNvSpPr/>
-              <p:nvPr/>
-            </p:nvSpPr>
-            <p:spPr>
-              <a:xfrm>
-                <a:off x="8133762" y="3644661"/>
-                <a:ext cx="607859" cy="369332"/>
-              </a:xfrm>
-              <a:prstGeom prst="rect">
-                <a:avLst/>
-              </a:prstGeom>
-            </p:spPr>
-            <p:txBody>
-              <a:bodyPr wrap="none">
-                <a:spAutoFit/>
-              </a:bodyPr>
-              <a:lstStyle/>
-              <a:p>
-                <a:pPr/>
-                <a14:m>
-                  <m:oMathPara xmlns:m="http://schemas.openxmlformats.org/officeDocument/2006/math">
-                    <m:oMathParaPr>
-                      <m:jc m:val="centerGroup"/>
-                    </m:oMathParaPr>
-                    <m:oMath xmlns:m="http://schemas.openxmlformats.org/officeDocument/2006/math">
-                      <m:r>
-                        <a:rPr lang="en-US" b="0" i="1" smtClean="0">
-                          <a:latin typeface="Cambria Math" panose="02040503050406030204" pitchFamily="18" charset="0"/>
-                        </a:rPr>
-                        <m:t>3/4</m:t>
-                      </m:r>
-                    </m:oMath>
-                  </m:oMathPara>
-                </a14:m>
-                <a:endParaRPr lang="en-US" dirty="0"/>
-              </a:p>
-            </p:txBody>
-          </p:sp>
-        </mc:Choice>
-        <mc:Fallback>
+        <mc:Fallback xmlns="">
           <p:sp>
             <p:nvSpPr>
               <p:cNvPr id="19" name="Rectangle 18"/>
@@ -4091,16 +4141,16 @@
             </p:nvSpPr>
             <p:spPr>
               <a:xfrm>
-                <a:off x="8133762" y="3644661"/>
-                <a:ext cx="607859" cy="369332"/>
+                <a:off x="8437692" y="3706443"/>
+                <a:ext cx="773994" cy="369332"/>
               </a:xfrm>
               <a:prstGeom prst="rect">
                 <a:avLst/>
               </a:prstGeom>
               <a:blipFill rotWithShape="0">
-                <a:blip r:embed="rId7"/>
+                <a:blip r:embed="rId8"/>
                 <a:stretch>
-                  <a:fillRect b="-13333"/>
+                  <a:fillRect/>
                 </a:stretch>
               </a:blipFill>
             </p:spPr>
@@ -4210,8 +4260,8 @@
         </p:nvSpPr>
         <p:spPr>
           <a:xfrm>
-            <a:off x="1764920" y="3776468"/>
-            <a:ext cx="4339666" cy="297722"/>
+            <a:off x="1764920" y="3768264"/>
+            <a:ext cx="3395729" cy="305926"/>
           </a:xfrm>
           <a:prstGeom prst="rect">
             <a:avLst/>
@@ -4249,14 +4299,14 @@
       </p:sp>
       <p:sp>
         <p:nvSpPr>
-          <p:cNvPr id="25" name="Rectangle 24"/>
+          <p:cNvPr id="24" name="Rectangle 23"/>
           <p:cNvSpPr/>
           <p:nvPr/>
         </p:nvSpPr>
         <p:spPr>
           <a:xfrm>
-            <a:off x="8437692" y="4074190"/>
-            <a:ext cx="2107349" cy="260143"/>
+            <a:off x="1764920" y="4074190"/>
+            <a:ext cx="1697864" cy="355261"/>
           </a:xfrm>
           <a:prstGeom prst="rect">
             <a:avLst/>
@@ -4292,8 +4342,53 @@
           </a:p>
         </p:txBody>
       </p:sp>
-      <mc:AlternateContent xmlns:mc="http://schemas.openxmlformats.org/markup-compatibility/2006">
-        <mc:Choice xmlns:a14="http://schemas.microsoft.com/office/drawing/2010/main" Requires="a14">
+      <p:sp>
+        <p:nvSpPr>
+          <p:cNvPr id="25" name="Rectangle 24"/>
+          <p:cNvSpPr/>
+          <p:nvPr/>
+        </p:nvSpPr>
+        <p:spPr>
+          <a:xfrm>
+            <a:off x="8847177" y="4074190"/>
+            <a:ext cx="1697864" cy="355261"/>
+          </a:xfrm>
+          <a:prstGeom prst="rect">
+            <a:avLst/>
+          </a:prstGeom>
+          <a:solidFill>
+            <a:schemeClr val="accent4">
+              <a:alpha val="50000"/>
+            </a:schemeClr>
+          </a:solidFill>
+        </p:spPr>
+        <p:style>
+          <a:lnRef idx="2">
+            <a:schemeClr val="accent1">
+              <a:shade val="50000"/>
+            </a:schemeClr>
+          </a:lnRef>
+          <a:fillRef idx="1">
+            <a:schemeClr val="accent1"/>
+          </a:fillRef>
+          <a:effectRef idx="0">
+            <a:schemeClr val="accent1"/>
+          </a:effectRef>
+          <a:fontRef idx="minor">
+            <a:schemeClr val="lt1"/>
+          </a:fontRef>
+        </p:style>
+        <p:txBody>
+          <a:bodyPr rtlCol="0" anchor="ctr"/>
+          <a:lstStyle/>
+          <a:p>
+            <a:pPr algn="ctr"/>
+            <a:endParaRPr lang="en-US"/>
+          </a:p>
+        </p:txBody>
+      </p:sp>
+      <mc:AlternateContent xmlns:mc="http://schemas.openxmlformats.org/markup-compatibility/2006" xmlns:a14="http://schemas.microsoft.com/office/drawing/2010/main">
+        <mc:Choice Requires="a14">
           <p:sp>
             <p:nvSpPr>
               <p:cNvPr id="26" name="Rectangle 25"/>
@@ -4302,8 +4397,8 @@
             </p:nvSpPr>
             <p:spPr>
               <a:xfrm>
-                <a:off x="2688373" y="3291743"/>
-                <a:ext cx="2244910" cy="504818"/>
+                <a:off x="2205741" y="3280841"/>
+                <a:ext cx="2514086" cy="369332"/>
               </a:xfrm>
               <a:prstGeom prst="rect">
                 <a:avLst/>
@@ -4321,7 +4416,7 @@
                       <m:accPr>
                         <m:chr m:val="̅"/>
                         <m:ctrlPr>
-                          <a:rPr lang="en-US" i="1" smtClean="0">
+                          <a:rPr lang="en-US" i="1">
                             <a:latin typeface="Cambria Math" panose="02040503050406030204" pitchFamily="18" charset="0"/>
                           </a:rPr>
                         </m:ctrlPr>
@@ -4406,66 +4501,14 @@
                 </a14:m>
                 <a:r>
                   <a:rPr lang="en-US" dirty="0" smtClean="0"/>
-                  <a:t> is in </a:t>
-                </a:r>
-                <a14:m>
-                  <m:oMath xmlns:m="http://schemas.openxmlformats.org/officeDocument/2006/math">
-                    <m:d>
-                      <m:dPr>
-                        <m:begChr m:val="["/>
-                        <m:endChr m:val="]"/>
-                        <m:ctrlPr>
-                          <a:rPr lang="en-US" i="1">
-                            <a:latin typeface="Cambria Math" panose="02040503050406030204" pitchFamily="18" charset="0"/>
-                          </a:rPr>
-                        </m:ctrlPr>
-                      </m:dPr>
-                      <m:e>
-                        <m:r>
-                          <a:rPr lang="en-US" i="1">
-                            <a:latin typeface="Cambria Math" panose="02040503050406030204" pitchFamily="18" charset="0"/>
-                          </a:rPr>
-                          <m:t>0,</m:t>
-                        </m:r>
-                        <m:f>
-                          <m:fPr>
-                            <m:ctrlPr>
-                              <a:rPr lang="en-US" i="1">
-                                <a:latin typeface="Cambria Math" panose="02040503050406030204" pitchFamily="18" charset="0"/>
-                              </a:rPr>
-                            </m:ctrlPr>
-                          </m:fPr>
-                          <m:num>
-                            <m:r>
-                              <a:rPr lang="en-US" i="1">
-                                <a:latin typeface="Cambria Math" panose="02040503050406030204" pitchFamily="18" charset="0"/>
-                              </a:rPr>
-                              <m:t>1</m:t>
-                            </m:r>
-                          </m:num>
-                          <m:den>
-                            <m:r>
-                              <a:rPr lang="en-US" b="0" i="1" smtClean="0">
-                                <a:latin typeface="Cambria Math" panose="02040503050406030204" pitchFamily="18" charset="0"/>
-                              </a:rPr>
-                              <m:t>2</m:t>
-                            </m:r>
-                          </m:den>
-                        </m:f>
-                      </m:e>
-                    </m:d>
-                  </m:oMath>
-                </a14:m>
-                <a:r>
-                  <a:rPr lang="en-US" dirty="0" smtClean="0"/>
-                  <a:t>.</a:t>
+                  <a:t> is in this area</a:t>
                 </a:r>
                 <a:endParaRPr lang="en-US" dirty="0"/>
               </a:p>
             </p:txBody>
           </p:sp>
         </mc:Choice>
-        <mc:Fallback>
+        <mc:Fallback xmlns="">
           <p:sp>
             <p:nvSpPr>
               <p:cNvPr id="26" name="Rectangle 25"/>
@@ -4476,8 +4519,8 @@
             </p:nvSpPr>
             <p:spPr>
               <a:xfrm>
-                <a:off x="2688373" y="3291743"/>
-                <a:ext cx="2244910" cy="504818"/>
+                <a:off x="2205741" y="3280841"/>
+                <a:ext cx="2514086" cy="369332"/>
               </a:xfrm>
               <a:prstGeom prst="rect">
                 <a:avLst/>
@@ -4485,7 +4528,7 @@
               <a:blipFill rotWithShape="0">
                 <a:blip r:embed="rId10"/>
                 <a:stretch>
-                  <a:fillRect r="-1630" b="-6024"/>
+                  <a:fillRect t="-8197" r="-1214" b="-24590"/>
                 </a:stretch>
               </a:blipFill>
             </p:spPr>
@@ -4504,8 +4547,8 @@
           </p:sp>
         </mc:Fallback>
       </mc:AlternateContent>
-      <mc:AlternateContent xmlns:mc="http://schemas.openxmlformats.org/markup-compatibility/2006">
-        <mc:Choice xmlns:a14="http://schemas.microsoft.com/office/drawing/2010/main" Requires="a14">
+      <mc:AlternateContent xmlns:mc="http://schemas.openxmlformats.org/markup-compatibility/2006" xmlns:a14="http://schemas.microsoft.com/office/drawing/2010/main">
+        <mc:Choice Requires="a14">
           <p:sp>
             <p:nvSpPr>
               <p:cNvPr id="27" name="Rectangle 26"/>
@@ -4514,8 +4557,8 @@
             </p:nvSpPr>
             <p:spPr>
               <a:xfrm>
-                <a:off x="3869785" y="4613606"/>
-                <a:ext cx="4465390" cy="504818"/>
+                <a:off x="3766360" y="4725965"/>
+                <a:ext cx="4832028" cy="369332"/>
               </a:xfrm>
               <a:prstGeom prst="rect">
                 <a:avLst/>
@@ -4533,7 +4576,7 @@
                       <m:accPr>
                         <m:chr m:val="̅"/>
                         <m:ctrlPr>
-                          <a:rPr lang="en-US" i="1" smtClean="0">
+                          <a:rPr lang="en-US" i="1">
                             <a:latin typeface="Cambria Math" panose="02040503050406030204" pitchFamily="18" charset="0"/>
                           </a:rPr>
                         </m:ctrlPr>
@@ -4618,118 +4661,14 @@
                 </a14:m>
                 <a:r>
                   <a:rPr lang="en-US" dirty="0" smtClean="0"/>
-                  <a:t> should be in either </a:t>
-                </a:r>
-                <a14:m>
-                  <m:oMath xmlns:m="http://schemas.openxmlformats.org/officeDocument/2006/math">
-                    <m:d>
-                      <m:dPr>
-                        <m:begChr m:val="["/>
-                        <m:endChr m:val="]"/>
-                        <m:ctrlPr>
-                          <a:rPr lang="en-US" b="0" i="1" smtClean="0">
-                            <a:latin typeface="Cambria Math" panose="02040503050406030204" pitchFamily="18" charset="0"/>
-                          </a:rPr>
-                        </m:ctrlPr>
-                      </m:dPr>
-                      <m:e>
-                        <m:r>
-                          <a:rPr lang="en-US" b="0" i="1" smtClean="0">
-                            <a:latin typeface="Cambria Math" panose="02040503050406030204" pitchFamily="18" charset="0"/>
-                          </a:rPr>
-                          <m:t>0,</m:t>
-                        </m:r>
-                        <m:f>
-                          <m:fPr>
-                            <m:ctrlPr>
-                              <a:rPr lang="en-US" b="0" i="1" smtClean="0">
-                                <a:latin typeface="Cambria Math" panose="02040503050406030204" pitchFamily="18" charset="0"/>
-                              </a:rPr>
-                            </m:ctrlPr>
-                          </m:fPr>
-                          <m:num>
-                            <m:r>
-                              <a:rPr lang="en-US" b="0" i="1" smtClean="0">
-                                <a:latin typeface="Cambria Math" panose="02040503050406030204" pitchFamily="18" charset="0"/>
-                              </a:rPr>
-                              <m:t>1</m:t>
-                            </m:r>
-                          </m:num>
-                          <m:den>
-                            <m:r>
-                              <a:rPr lang="en-US" b="0" i="1" smtClean="0">
-                                <a:latin typeface="Cambria Math" panose="02040503050406030204" pitchFamily="18" charset="0"/>
-                              </a:rPr>
-                              <m:t>4</m:t>
-                            </m:r>
-                          </m:den>
-                        </m:f>
-                      </m:e>
-                    </m:d>
-                  </m:oMath>
-                </a14:m>
-                <a:r>
-                  <a:rPr lang="en-US" dirty="0" smtClean="0"/>
-                  <a:t> or </a:t>
-                </a:r>
-                <a14:m>
-                  <m:oMath xmlns:m="http://schemas.openxmlformats.org/officeDocument/2006/math">
-                    <m:d>
-                      <m:dPr>
-                        <m:begChr m:val="["/>
-                        <m:endChr m:val="]"/>
-                        <m:ctrlPr>
-                          <a:rPr lang="en-US" i="1">
-                            <a:latin typeface="Cambria Math" panose="02040503050406030204" pitchFamily="18" charset="0"/>
-                          </a:rPr>
-                        </m:ctrlPr>
-                      </m:dPr>
-                      <m:e>
-                        <m:f>
-                          <m:fPr>
-                            <m:ctrlPr>
-                              <a:rPr lang="en-US" i="1">
-                                <a:latin typeface="Cambria Math" panose="02040503050406030204" pitchFamily="18" charset="0"/>
-                              </a:rPr>
-                            </m:ctrlPr>
-                          </m:fPr>
-                          <m:num>
-                            <m:r>
-                              <a:rPr lang="en-US" b="0" i="1" smtClean="0">
-                                <a:latin typeface="Cambria Math" panose="02040503050406030204" pitchFamily="18" charset="0"/>
-                              </a:rPr>
-                              <m:t>3</m:t>
-                            </m:r>
-                          </m:num>
-                          <m:den>
-                            <m:r>
-                              <a:rPr lang="en-US" i="1">
-                                <a:latin typeface="Cambria Math" panose="02040503050406030204" pitchFamily="18" charset="0"/>
-                              </a:rPr>
-                              <m:t>4</m:t>
-                            </m:r>
-                          </m:den>
-                        </m:f>
-                        <m:r>
-                          <a:rPr lang="en-US" b="0" i="1" smtClean="0">
-                            <a:latin typeface="Cambria Math" panose="02040503050406030204" pitchFamily="18" charset="0"/>
-                          </a:rPr>
-                          <m:t>,1</m:t>
-                        </m:r>
-                      </m:e>
-                    </m:d>
-                  </m:oMath>
-                </a14:m>
-                <a:r>
-                  <a:rPr lang="en-US" dirty="0" smtClean="0"/>
-                  <a:t>.</a:t>
+                  <a:t> should be in either one of these areas</a:t>
                 </a:r>
                 <a:endParaRPr lang="en-US" dirty="0"/>
               </a:p>
             </p:txBody>
           </p:sp>
         </mc:Choice>
-        <mc:Fallback>
+        <mc:Fallback xmlns="">
           <p:sp>
             <p:nvSpPr>
               <p:cNvPr id="27" name="Rectangle 26"/>
@@ -4740,8 +4679,8 @@
             </p:nvSpPr>
             <p:spPr>
               <a:xfrm>
-                <a:off x="3869785" y="4613606"/>
-                <a:ext cx="4465390" cy="504818"/>
+                <a:off x="3766360" y="4725965"/>
+                <a:ext cx="4832028" cy="369332"/>
               </a:xfrm>
               <a:prstGeom prst="rect">
                 <a:avLst/>
@@ -4749,7 +4688,7 @@
               <a:blipFill rotWithShape="0">
                 <a:blip r:embed="rId11"/>
                 <a:stretch>
-                  <a:fillRect r="-273" b="-6024"/>
+                  <a:fillRect t="-8197" r="-253" b="-24590"/>
                 </a:stretch>
               </a:blipFill>
             </p:spPr>
@@ -4768,18 +4707,18 @@
           </p:sp>
         </mc:Fallback>
       </mc:AlternateContent>
-      <mc:AlternateContent xmlns:mc="http://schemas.openxmlformats.org/markup-compatibility/2006">
-        <mc:Choice xmlns:a14="http://schemas.microsoft.com/office/drawing/2010/main" Requires="a14">
+      <mc:AlternateContent xmlns:mc="http://schemas.openxmlformats.org/markup-compatibility/2006" xmlns:a14="http://schemas.microsoft.com/office/drawing/2010/main">
+        <mc:Choice Requires="a14">
           <p:sp>
             <p:nvSpPr>
-              <p:cNvPr id="30" name="Rectangle 29"/>
+              <p:cNvPr id="29" name="Rectangle 28"/>
               <p:cNvSpPr/>
               <p:nvPr/>
             </p:nvSpPr>
             <p:spPr>
               <a:xfrm>
-                <a:off x="3755241" y="4134139"/>
-                <a:ext cx="607859" cy="369332"/>
+                <a:off x="5890055" y="4082394"/>
+                <a:ext cx="2226763" cy="612732"/>
               </a:xfrm>
               <a:prstGeom prst="rect">
                 <a:avLst/>
@@ -4799,10 +4738,65 @@
                     </m:oMathParaPr>
                     <m:oMath xmlns:m="http://schemas.openxmlformats.org/officeDocument/2006/math">
                       <m:r>
+                        <a:rPr lang="en-US" i="1" smtClean="0">
+                          <a:latin typeface="Cambria Math" panose="02040503050406030204" pitchFamily="18" charset="0"/>
+                        </a:rPr>
+                        <m:t>𝛿</m:t>
+                      </m:r>
+                      <m:r>
+                        <a:rPr lang="en-US" i="1" smtClean="0">
+                          <a:latin typeface="Cambria Math" panose="02040503050406030204" pitchFamily="18" charset="0"/>
+                        </a:rPr>
+                        <m:t>&lt;</m:t>
+                      </m:r>
+                      <m:f>
+                        <m:fPr>
+                          <m:ctrlPr>
+                            <a:rPr lang="en-US" i="1">
+                              <a:latin typeface="Cambria Math" panose="02040503050406030204" pitchFamily="18" charset="0"/>
+                            </a:rPr>
+                          </m:ctrlPr>
+                        </m:fPr>
+                        <m:num>
+                          <m:r>
+                            <a:rPr lang="en-US" i="1">
+                              <a:latin typeface="Cambria Math" panose="02040503050406030204" pitchFamily="18" charset="0"/>
+                            </a:rPr>
+                            <m:t>1</m:t>
+                          </m:r>
+                        </m:num>
+                        <m:den>
+                          <m:r>
+                            <a:rPr lang="en-US" i="1">
+                              <a:latin typeface="Cambria Math" panose="02040503050406030204" pitchFamily="18" charset="0"/>
+                            </a:rPr>
+                            <m:t>3</m:t>
+                          </m:r>
+                        </m:den>
+                      </m:f>
+                      <m:r>
                         <a:rPr lang="en-US" b="0" i="1" smtClean="0">
                           <a:latin typeface="Cambria Math" panose="02040503050406030204" pitchFamily="18" charset="0"/>
                         </a:rPr>
-                        <m:t>1/4</m:t>
+                        <m:t>⇒2</m:t>
+                      </m:r>
+                      <m:r>
+                        <a:rPr lang="en-US" i="1">
+                          <a:latin typeface="Cambria Math" panose="02040503050406030204" pitchFamily="18" charset="0"/>
+                        </a:rPr>
+                        <m:t>𝛿</m:t>
+                      </m:r>
+                      <m:r>
+                        <a:rPr lang="en-US" i="1">
+                          <a:latin typeface="Cambria Math" panose="02040503050406030204" pitchFamily="18" charset="0"/>
+                        </a:rPr>
+                        <m:t>&lt;1−</m:t>
+                      </m:r>
+                      <m:r>
+                        <a:rPr lang="en-US" i="1">
+                          <a:latin typeface="Cambria Math" panose="02040503050406030204" pitchFamily="18" charset="0"/>
+                        </a:rPr>
+                        <m:t>𝛿</m:t>
                       </m:r>
                     </m:oMath>
                   </m:oMathPara>
@@ -4812,10 +4806,10 @@
             </p:txBody>
           </p:sp>
         </mc:Choice>
-        <mc:Fallback>
+        <mc:Fallback xmlns="">
           <p:sp>
             <p:nvSpPr>
-              <p:cNvPr id="30" name="Rectangle 29"/>
+              <p:cNvPr id="29" name="Rectangle 28"/>
               <p:cNvSpPr>
                 <a:spLocks noRot="1" noChangeAspect="1" noMove="1" noResize="1" noEditPoints="1" noAdjustHandles="1" noChangeArrowheads="1" noChangeShapeType="1" noTextEdit="1"/>
               </p:cNvSpPr>
@@ -4823,16 +4817,16 @@
             </p:nvSpPr>
             <p:spPr>
               <a:xfrm>
-                <a:off x="3755241" y="4134139"/>
-                <a:ext cx="607859" cy="369332"/>
+                <a:off x="5890055" y="4082394"/>
+                <a:ext cx="2226763" cy="612732"/>
               </a:xfrm>
               <a:prstGeom prst="rect">
                 <a:avLst/>
               </a:prstGeom>
               <a:blipFill rotWithShape="0">
-                <a:blip r:embed="rId12"/>
+                <a:blip r:embed="rId14"/>
                 <a:stretch>
-                  <a:fillRect b="-13115"/>
+                  <a:fillRect/>
                 </a:stretch>
               </a:blipFill>
             </p:spPr>
@@ -4854,7 +4848,7 @@
     </p:spTree>
     <p:extLst>
       <p:ext uri="{BB962C8B-B14F-4D97-AF65-F5344CB8AC3E}">
-        <p14:creationId xmlns:p14="http://schemas.microsoft.com/office/powerpoint/2010/main" val="363805910"/>
+        <p14:creationId xmlns:p14="http://schemas.microsoft.com/office/powerpoint/2010/main" val="2996482032"/>
       </p:ext>
     </p:extLst>
   </p:cSld>
